--- a/fiber-scope-camera/slide/2020-03-24-FiberScopeCameraStructureAndDHParameres.pptx
+++ b/fiber-scope-camera/slide/2020-03-24-FiberScopeCameraStructureAndDHParameres.pptx
@@ -226,7 +226,7 @@
           <a:p>
             <a:fld id="{9BDC461C-9488-4B33-8404-FB69A384252D}" type="datetimeFigureOut">
               <a:rPr kumimoji="1" lang="ja-JP" altLang="en-US" smtClean="0"/>
-              <a:t>2020/3/24</a:t>
+              <a:t>2020/3/30</a:t>
             </a:fld>
             <a:endParaRPr kumimoji="1" lang="ja-JP" altLang="en-US"/>
           </a:p>
@@ -403,7 +403,7 @@
           <a:p>
             <a:fld id="{4F23D6BA-2164-40E7-BA8B-970E642CDFC3}" type="datetimeFigureOut">
               <a:rPr kumimoji="1" lang="ja-JP" altLang="en-US" smtClean="0"/>
-              <a:t>2020/3/24</a:t>
+              <a:t>2020/3/30</a:t>
             </a:fld>
             <a:endParaRPr kumimoji="1" lang="ja-JP" altLang="en-US"/>
           </a:p>
@@ -4264,7 +4264,7 @@
           <p:nvPr>
             <p:extLst>
               <p:ext uri="{D42A27DB-BD31-4B8C-83A1-F6EECF244321}">
-                <p14:modId xmlns:p14="http://schemas.microsoft.com/office/powerpoint/2010/main" val="2177660988"/>
+                <p14:modId xmlns:p14="http://schemas.microsoft.com/office/powerpoint/2010/main" val="3685248142"/>
               </p:ext>
             </p:extLst>
           </p:nvPr>
@@ -4711,12 +4711,36 @@
                     <a:bodyPr/>
                     <a:lstStyle/>
                     <a:p>
+                      <a:pPr marL="0" marR="0" lvl="0" indent="0" algn="l" defTabSz="914400" rtl="0" eaLnBrk="1" fontAlgn="auto" latinLnBrk="0" hangingPunct="1">
+                        <a:lnSpc>
+                          <a:spcPct val="100000"/>
+                        </a:lnSpc>
+                        <a:spcBef>
+                          <a:spcPts val="0"/>
+                        </a:spcBef>
+                        <a:spcAft>
+                          <a:spcPts val="0"/>
+                        </a:spcAft>
+                        <a:buClrTx/>
+                        <a:buSzTx/>
+                        <a:buFontTx/>
+                        <a:buNone/>
+                        <a:tabLst/>
+                        <a:defRPr/>
+                      </a:pPr>
+                      <a:r>
+                        <a:rPr kumimoji="1" lang="en-US" altLang="ja-JP" dirty="0">
+                          <a:latin typeface="Symbol" panose="05050102010706020507" pitchFamily="18" charset="2"/>
+                          <a:cs typeface="Times New Roman" panose="02020603050405020304" pitchFamily="18" charset="0"/>
+                        </a:rPr>
+                        <a:t>p</a:t>
+                      </a:r>
                       <a:r>
                         <a:rPr kumimoji="1" lang="en-US" altLang="ja-JP" dirty="0">
                           <a:latin typeface="Times New Roman" panose="02020603050405020304" pitchFamily="18" charset="0"/>
                           <a:cs typeface="Times New Roman" panose="02020603050405020304" pitchFamily="18" charset="0"/>
                         </a:rPr>
-                        <a:t>0</a:t>
+                        <a:t>/2</a:t>
                       </a:r>
                       <a:endParaRPr kumimoji="1" lang="ja-JP" altLang="en-US" dirty="0">
                         <a:latin typeface="Times New Roman" panose="02020603050405020304" pitchFamily="18" charset="0"/>
@@ -4963,14 +4987,38 @@
                     <a:bodyPr/>
                     <a:lstStyle/>
                     <a:p>
+                      <a:pPr marL="0" marR="0" lvl="0" indent="0" algn="l" defTabSz="914400" rtl="0" eaLnBrk="1" fontAlgn="auto" latinLnBrk="0" hangingPunct="1">
+                        <a:lnSpc>
+                          <a:spcPct val="100000"/>
+                        </a:lnSpc>
+                        <a:spcBef>
+                          <a:spcPts val="0"/>
+                        </a:spcBef>
+                        <a:spcAft>
+                          <a:spcPts val="0"/>
+                        </a:spcAft>
+                        <a:buClrTx/>
+                        <a:buSzTx/>
+                        <a:buFontTx/>
+                        <a:buNone/>
+                        <a:tabLst/>
+                        <a:defRPr/>
+                      </a:pPr>
                       <a:r>
                         <a:rPr kumimoji="1" lang="en-US" altLang="ja-JP" dirty="0">
+                          <a:latin typeface="Symbol" panose="05050102010706020507" pitchFamily="18" charset="2"/>
+                          <a:cs typeface="Times New Roman" panose="02020603050405020304" pitchFamily="18" charset="0"/>
+                        </a:rPr>
+                        <a:t>p</a:t>
+                      </a:r>
+                      <a:r>
+                        <a:rPr kumimoji="1" lang="en-US" altLang="ja-JP">
                           <a:latin typeface="Times New Roman" panose="02020603050405020304" pitchFamily="18" charset="0"/>
                           <a:cs typeface="Times New Roman" panose="02020603050405020304" pitchFamily="18" charset="0"/>
                         </a:rPr>
-                        <a:t>0</a:t>
+                        <a:t>/2</a:t>
                       </a:r>
-                      <a:endParaRPr kumimoji="1" lang="ja-JP" altLang="en-US" dirty="0">
+                      <a:endParaRPr kumimoji="1" lang="ja-JP" altLang="en-US">
                         <a:latin typeface="Times New Roman" panose="02020603050405020304" pitchFamily="18" charset="0"/>
                         <a:cs typeface="Times New Roman" panose="02020603050405020304" pitchFamily="18" charset="0"/>
                       </a:endParaRPr>
